--- a/Проектирование проекта «Heroes of might.pptx
+++ b/Проектирование проекта «Heroes of might.pptx
@@ -238,7 +238,8 @@
           <a:p>
             <a:fld id="{3310C8A1-B395-4143-9BF4-CBBA381C0171}" type="datetimeFigureOut">
               <a:rPr lang="ru-RU" smtClean="0"/>
-              <a:t>11.12.2020</a:t>
+              <a:pPr/>
+              <a:t>12.12.2020</a:t>
             </a:fld>
             <a:endParaRPr lang="ru-RU"/>
           </a:p>
@@ -280,6 +281,7 @@
           <a:p>
             <a:fld id="{472A1D84-E6CB-4CC1-A5C6-7655A390C80E}" type="slidenum">
               <a:rPr lang="ru-RU" smtClean="0"/>
+              <a:pPr/>
               <a:t>‹#›</a:t>
             </a:fld>
             <a:endParaRPr lang="ru-RU"/>
@@ -289,7 +291,7 @@
     </p:spTree>
     <p:extLst>
       <p:ext uri="{BB962C8B-B14F-4D97-AF65-F5344CB8AC3E}">
-        <p14:creationId xmlns:p14="http://schemas.microsoft.com/office/powerpoint/2010/main" val="216067142"/>
+        <p14:creationId xmlns:p14="http://schemas.microsoft.com/office/powerpoint/2010/main" xmlns="" val="216067142"/>
       </p:ext>
     </p:extLst>
   </p:cSld>
@@ -408,7 +410,8 @@
           <a:p>
             <a:fld id="{3310C8A1-B395-4143-9BF4-CBBA381C0171}" type="datetimeFigureOut">
               <a:rPr lang="ru-RU" smtClean="0"/>
-              <a:t>11.12.2020</a:t>
+              <a:pPr/>
+              <a:t>12.12.2020</a:t>
             </a:fld>
             <a:endParaRPr lang="ru-RU"/>
           </a:p>
@@ -450,6 +453,7 @@
           <a:p>
             <a:fld id="{472A1D84-E6CB-4CC1-A5C6-7655A390C80E}" type="slidenum">
               <a:rPr lang="ru-RU" smtClean="0"/>
+              <a:pPr/>
               <a:t>‹#›</a:t>
             </a:fld>
             <a:endParaRPr lang="ru-RU"/>
@@ -459,7 +463,7 @@
     </p:spTree>
     <p:extLst>
       <p:ext uri="{BB962C8B-B14F-4D97-AF65-F5344CB8AC3E}">
-        <p14:creationId xmlns:p14="http://schemas.microsoft.com/office/powerpoint/2010/main" val="131286443"/>
+        <p14:creationId xmlns:p14="http://schemas.microsoft.com/office/powerpoint/2010/main" xmlns="" val="131286443"/>
       </p:ext>
     </p:extLst>
   </p:cSld>
@@ -588,7 +592,8 @@
           <a:p>
             <a:fld id="{3310C8A1-B395-4143-9BF4-CBBA381C0171}" type="datetimeFigureOut">
               <a:rPr lang="ru-RU" smtClean="0"/>
-              <a:t>11.12.2020</a:t>
+              <a:pPr/>
+              <a:t>12.12.2020</a:t>
             </a:fld>
             <a:endParaRPr lang="ru-RU"/>
           </a:p>
@@ -630,6 +635,7 @@
           <a:p>
             <a:fld id="{472A1D84-E6CB-4CC1-A5C6-7655A390C80E}" type="slidenum">
               <a:rPr lang="ru-RU" smtClean="0"/>
+              <a:pPr/>
               <a:t>‹#›</a:t>
             </a:fld>
             <a:endParaRPr lang="ru-RU"/>
@@ -639,7 +645,7 @@
     </p:spTree>
     <p:extLst>
       <p:ext uri="{BB962C8B-B14F-4D97-AF65-F5344CB8AC3E}">
-        <p14:creationId xmlns:p14="http://schemas.microsoft.com/office/powerpoint/2010/main" val="2021216106"/>
+        <p14:creationId xmlns:p14="http://schemas.microsoft.com/office/powerpoint/2010/main" xmlns="" val="2021216106"/>
       </p:ext>
     </p:extLst>
   </p:cSld>
@@ -758,7 +764,8 @@
           <a:p>
             <a:fld id="{3310C8A1-B395-4143-9BF4-CBBA381C0171}" type="datetimeFigureOut">
               <a:rPr lang="ru-RU" smtClean="0"/>
-              <a:t>11.12.2020</a:t>
+              <a:pPr/>
+              <a:t>12.12.2020</a:t>
             </a:fld>
             <a:endParaRPr lang="ru-RU"/>
           </a:p>
@@ -800,6 +807,7 @@
           <a:p>
             <a:fld id="{472A1D84-E6CB-4CC1-A5C6-7655A390C80E}" type="slidenum">
               <a:rPr lang="ru-RU" smtClean="0"/>
+              <a:pPr/>
               <a:t>‹#›</a:t>
             </a:fld>
             <a:endParaRPr lang="ru-RU"/>
@@ -809,7 +817,7 @@
     </p:spTree>
     <p:extLst>
       <p:ext uri="{BB962C8B-B14F-4D97-AF65-F5344CB8AC3E}">
-        <p14:creationId xmlns:p14="http://schemas.microsoft.com/office/powerpoint/2010/main" val="410830755"/>
+        <p14:creationId xmlns:p14="http://schemas.microsoft.com/office/powerpoint/2010/main" xmlns="" val="410830755"/>
       </p:ext>
     </p:extLst>
   </p:cSld>
@@ -1004,7 +1012,8 @@
           <a:p>
             <a:fld id="{3310C8A1-B395-4143-9BF4-CBBA381C0171}" type="datetimeFigureOut">
               <a:rPr lang="ru-RU" smtClean="0"/>
-              <a:t>11.12.2020</a:t>
+              <a:pPr/>
+              <a:t>12.12.2020</a:t>
             </a:fld>
             <a:endParaRPr lang="ru-RU"/>
           </a:p>
@@ -1046,6 +1055,7 @@
           <a:p>
             <a:fld id="{472A1D84-E6CB-4CC1-A5C6-7655A390C80E}" type="slidenum">
               <a:rPr lang="ru-RU" smtClean="0"/>
+              <a:pPr/>
               <a:t>‹#›</a:t>
             </a:fld>
             <a:endParaRPr lang="ru-RU"/>
@@ -1055,7 +1065,7 @@
     </p:spTree>
     <p:extLst>
       <p:ext uri="{BB962C8B-B14F-4D97-AF65-F5344CB8AC3E}">
-        <p14:creationId xmlns:p14="http://schemas.microsoft.com/office/powerpoint/2010/main" val="3578189593"/>
+        <p14:creationId xmlns:p14="http://schemas.microsoft.com/office/powerpoint/2010/main" xmlns="" val="3578189593"/>
       </p:ext>
     </p:extLst>
   </p:cSld>
@@ -1236,7 +1246,8 @@
           <a:p>
             <a:fld id="{3310C8A1-B395-4143-9BF4-CBBA381C0171}" type="datetimeFigureOut">
               <a:rPr lang="ru-RU" smtClean="0"/>
-              <a:t>11.12.2020</a:t>
+              <a:pPr/>
+              <a:t>12.12.2020</a:t>
             </a:fld>
             <a:endParaRPr lang="ru-RU"/>
           </a:p>
@@ -1278,6 +1289,7 @@
           <a:p>
             <a:fld id="{472A1D84-E6CB-4CC1-A5C6-7655A390C80E}" type="slidenum">
               <a:rPr lang="ru-RU" smtClean="0"/>
+              <a:pPr/>
               <a:t>‹#›</a:t>
             </a:fld>
             <a:endParaRPr lang="ru-RU"/>
@@ -1287,7 +1299,7 @@
     </p:spTree>
     <p:extLst>
       <p:ext uri="{BB962C8B-B14F-4D97-AF65-F5344CB8AC3E}">
-        <p14:creationId xmlns:p14="http://schemas.microsoft.com/office/powerpoint/2010/main" val="291335799"/>
+        <p14:creationId xmlns:p14="http://schemas.microsoft.com/office/powerpoint/2010/main" xmlns="" val="291335799"/>
       </p:ext>
     </p:extLst>
   </p:cSld>
@@ -1603,7 +1615,8 @@
           <a:p>
             <a:fld id="{3310C8A1-B395-4143-9BF4-CBBA381C0171}" type="datetimeFigureOut">
               <a:rPr lang="ru-RU" smtClean="0"/>
-              <a:t>11.12.2020</a:t>
+              <a:pPr/>
+              <a:t>12.12.2020</a:t>
             </a:fld>
             <a:endParaRPr lang="ru-RU"/>
           </a:p>
@@ -1645,6 +1658,7 @@
           <a:p>
             <a:fld id="{472A1D84-E6CB-4CC1-A5C6-7655A390C80E}" type="slidenum">
               <a:rPr lang="ru-RU" smtClean="0"/>
+              <a:pPr/>
               <a:t>‹#›</a:t>
             </a:fld>
             <a:endParaRPr lang="ru-RU"/>
@@ -1654,7 +1668,7 @@
     </p:spTree>
     <p:extLst>
       <p:ext uri="{BB962C8B-B14F-4D97-AF65-F5344CB8AC3E}">
-        <p14:creationId xmlns:p14="http://schemas.microsoft.com/office/powerpoint/2010/main" val="2848327761"/>
+        <p14:creationId xmlns:p14="http://schemas.microsoft.com/office/powerpoint/2010/main" xmlns="" val="2848327761"/>
       </p:ext>
     </p:extLst>
   </p:cSld>
@@ -1721,7 +1735,8 @@
           <a:p>
             <a:fld id="{3310C8A1-B395-4143-9BF4-CBBA381C0171}" type="datetimeFigureOut">
               <a:rPr lang="ru-RU" smtClean="0"/>
-              <a:t>11.12.2020</a:t>
+              <a:pPr/>
+              <a:t>12.12.2020</a:t>
             </a:fld>
             <a:endParaRPr lang="ru-RU"/>
           </a:p>
@@ -1763,6 +1778,7 @@
           <a:p>
             <a:fld id="{472A1D84-E6CB-4CC1-A5C6-7655A390C80E}" type="slidenum">
               <a:rPr lang="ru-RU" smtClean="0"/>
+              <a:pPr/>
               <a:t>‹#›</a:t>
             </a:fld>
             <a:endParaRPr lang="ru-RU"/>
@@ -1772,7 +1788,7 @@
     </p:spTree>
     <p:extLst>
       <p:ext uri="{BB962C8B-B14F-4D97-AF65-F5344CB8AC3E}">
-        <p14:creationId xmlns:p14="http://schemas.microsoft.com/office/powerpoint/2010/main" val="1759512906"/>
+        <p14:creationId xmlns:p14="http://schemas.microsoft.com/office/powerpoint/2010/main" xmlns="" val="1759512906"/>
       </p:ext>
     </p:extLst>
   </p:cSld>
@@ -1816,7 +1832,8 @@
           <a:p>
             <a:fld id="{3310C8A1-B395-4143-9BF4-CBBA381C0171}" type="datetimeFigureOut">
               <a:rPr lang="ru-RU" smtClean="0"/>
-              <a:t>11.12.2020</a:t>
+              <a:pPr/>
+              <a:t>12.12.2020</a:t>
             </a:fld>
             <a:endParaRPr lang="ru-RU"/>
           </a:p>
@@ -1858,6 +1875,7 @@
           <a:p>
             <a:fld id="{472A1D84-E6CB-4CC1-A5C6-7655A390C80E}" type="slidenum">
               <a:rPr lang="ru-RU" smtClean="0"/>
+              <a:pPr/>
               <a:t>‹#›</a:t>
             </a:fld>
             <a:endParaRPr lang="ru-RU"/>
@@ -1867,7 +1885,7 @@
     </p:spTree>
     <p:extLst>
       <p:ext uri="{BB962C8B-B14F-4D97-AF65-F5344CB8AC3E}">
-        <p14:creationId xmlns:p14="http://schemas.microsoft.com/office/powerpoint/2010/main" val="696040688"/>
+        <p14:creationId xmlns:p14="http://schemas.microsoft.com/office/powerpoint/2010/main" xmlns="" val="696040688"/>
       </p:ext>
     </p:extLst>
   </p:cSld>
@@ -2093,7 +2111,8 @@
           <a:p>
             <a:fld id="{3310C8A1-B395-4143-9BF4-CBBA381C0171}" type="datetimeFigureOut">
               <a:rPr lang="ru-RU" smtClean="0"/>
-              <a:t>11.12.2020</a:t>
+              <a:pPr/>
+              <a:t>12.12.2020</a:t>
             </a:fld>
             <a:endParaRPr lang="ru-RU"/>
           </a:p>
@@ -2135,6 +2154,7 @@
           <a:p>
             <a:fld id="{472A1D84-E6CB-4CC1-A5C6-7655A390C80E}" type="slidenum">
               <a:rPr lang="ru-RU" smtClean="0"/>
+              <a:pPr/>
               <a:t>‹#›</a:t>
             </a:fld>
             <a:endParaRPr lang="ru-RU"/>
@@ -2144,7 +2164,7 @@
     </p:spTree>
     <p:extLst>
       <p:ext uri="{BB962C8B-B14F-4D97-AF65-F5344CB8AC3E}">
-        <p14:creationId xmlns:p14="http://schemas.microsoft.com/office/powerpoint/2010/main" val="3411983186"/>
+        <p14:creationId xmlns:p14="http://schemas.microsoft.com/office/powerpoint/2010/main" xmlns="" val="3411983186"/>
       </p:ext>
     </p:extLst>
   </p:cSld>
@@ -2346,7 +2366,8 @@
           <a:p>
             <a:fld id="{3310C8A1-B395-4143-9BF4-CBBA381C0171}" type="datetimeFigureOut">
               <a:rPr lang="ru-RU" smtClean="0"/>
-              <a:t>11.12.2020</a:t>
+              <a:pPr/>
+              <a:t>12.12.2020</a:t>
             </a:fld>
             <a:endParaRPr lang="ru-RU"/>
           </a:p>
@@ -2388,6 +2409,7 @@
           <a:p>
             <a:fld id="{472A1D84-E6CB-4CC1-A5C6-7655A390C80E}" type="slidenum">
               <a:rPr lang="ru-RU" smtClean="0"/>
+              <a:pPr/>
               <a:t>‹#›</a:t>
             </a:fld>
             <a:endParaRPr lang="ru-RU"/>
@@ -2397,7 +2419,7 @@
     </p:spTree>
     <p:extLst>
       <p:ext uri="{BB962C8B-B14F-4D97-AF65-F5344CB8AC3E}">
-        <p14:creationId xmlns:p14="http://schemas.microsoft.com/office/powerpoint/2010/main" val="122716804"/>
+        <p14:creationId xmlns:p14="http://schemas.microsoft.com/office/powerpoint/2010/main" xmlns="" val="122716804"/>
       </p:ext>
     </p:extLst>
   </p:cSld>
@@ -2559,7 +2581,8 @@
           <a:p>
             <a:fld id="{3310C8A1-B395-4143-9BF4-CBBA381C0171}" type="datetimeFigureOut">
               <a:rPr lang="ru-RU" smtClean="0"/>
-              <a:t>11.12.2020</a:t>
+              <a:pPr/>
+              <a:t>12.12.2020</a:t>
             </a:fld>
             <a:endParaRPr lang="ru-RU"/>
           </a:p>
@@ -2637,6 +2660,7 @@
           <a:p>
             <a:fld id="{472A1D84-E6CB-4CC1-A5C6-7655A390C80E}" type="slidenum">
               <a:rPr lang="ru-RU" smtClean="0"/>
+              <a:pPr/>
               <a:t>‹#›</a:t>
             </a:fld>
             <a:endParaRPr lang="ru-RU"/>
@@ -2646,7 +2670,7 @@
     </p:spTree>
     <p:extLst>
       <p:ext uri="{BB962C8B-B14F-4D97-AF65-F5344CB8AC3E}">
-        <p14:creationId xmlns:p14="http://schemas.microsoft.com/office/powerpoint/2010/main" val="301914117"/>
+        <p14:creationId xmlns:p14="http://schemas.microsoft.com/office/powerpoint/2010/main" xmlns="" val="301914117"/>
       </p:ext>
     </p:extLst>
   </p:cSld>
@@ -3037,7 +3061,7 @@
         </p:nvSpPr>
         <p:spPr>
           <a:xfrm>
-            <a:off x="282805" y="2452656"/>
+            <a:off x="282805" y="2413468"/>
             <a:ext cx="1183722" cy="369332"/>
           </a:xfrm>
           <a:prstGeom prst="rect">
@@ -3072,7 +3096,7 @@
         <p:spPr>
           <a:xfrm>
             <a:off x="282869" y="3976592"/>
-            <a:ext cx="1340816" cy="369332"/>
+            <a:ext cx="1788438" cy="369332"/>
           </a:xfrm>
           <a:prstGeom prst="rect">
             <a:avLst/>
@@ -3094,8 +3118,8 @@
               <a:t> </a:t>
             </a:r>
             <a:r>
-              <a:rPr lang="en-US" dirty="0" smtClean="0"/>
-              <a:t>Menu</a:t>
+              <a:rPr lang="en-US" dirty="0" err="1" smtClean="0"/>
+              <a:t>StartMenu</a:t>
             </a:r>
             <a:endParaRPr lang="ru-RU" dirty="0"/>
           </a:p>
@@ -3109,7 +3133,7 @@
         </p:nvSpPr>
         <p:spPr>
           <a:xfrm>
-            <a:off x="282741" y="4374287"/>
+            <a:off x="282741" y="4361224"/>
             <a:ext cx="1816908" cy="369332"/>
           </a:xfrm>
           <a:prstGeom prst="rect">
@@ -3214,7 +3238,7 @@
         </p:nvCxnSpPr>
         <p:spPr>
           <a:xfrm flipV="1">
-            <a:off x="1466527" y="2464308"/>
+            <a:off x="1466527" y="2425120"/>
             <a:ext cx="1144698" cy="173014"/>
           </a:xfrm>
           <a:prstGeom prst="straightConnector1">
@@ -3247,8 +3271,8 @@
         </p:nvSpPr>
         <p:spPr>
           <a:xfrm>
-            <a:off x="2793102" y="2267990"/>
-            <a:ext cx="1263487" cy="369332"/>
+            <a:off x="2690950" y="2267990"/>
+            <a:ext cx="1365640" cy="369332"/>
           </a:xfrm>
           <a:prstGeom prst="rect">
             <a:avLst/>
@@ -3256,7 +3280,7 @@
           <a:noFill/>
         </p:spPr>
         <p:txBody>
-          <a:bodyPr wrap="none" rtlCol="0">
+          <a:bodyPr wrap="square" rtlCol="0">
             <a:spAutoFit/>
           </a:bodyPr>
           <a:lstStyle/>
@@ -3344,8 +3368,8 @@
         </p:nvCxnSpPr>
         <p:spPr>
           <a:xfrm>
-            <a:off x="4056589" y="2452656"/>
-            <a:ext cx="760508" cy="469653"/>
+            <a:off x="4056590" y="2452656"/>
+            <a:ext cx="760507" cy="469653"/>
           </a:xfrm>
           <a:prstGeom prst="straightConnector1">
             <a:avLst/>
@@ -3412,8 +3436,8 @@
         </p:nvSpPr>
         <p:spPr>
           <a:xfrm>
-            <a:off x="5020229" y="2737643"/>
-            <a:ext cx="2064989" cy="369332"/>
+            <a:off x="4924698" y="2763769"/>
+            <a:ext cx="2455816" cy="369332"/>
           </a:xfrm>
           <a:prstGeom prst="rect">
             <a:avLst/>
@@ -3421,7 +3445,7 @@
           <a:noFill/>
         </p:spPr>
         <p:txBody>
-          <a:bodyPr wrap="none" rtlCol="0">
+          <a:bodyPr wrap="square" rtlCol="0">
             <a:spAutoFit/>
           </a:bodyPr>
           <a:lstStyle/>
@@ -3444,8 +3468,8 @@
         </p:nvCxnSpPr>
         <p:spPr>
           <a:xfrm>
-            <a:off x="1623685" y="4161258"/>
-            <a:ext cx="1169481" cy="77017"/>
+            <a:off x="2071307" y="4161258"/>
+            <a:ext cx="721859" cy="77017"/>
           </a:xfrm>
           <a:prstGeom prst="straightConnector1">
             <a:avLst/>
@@ -3479,7 +3503,7 @@
         </p:nvCxnSpPr>
         <p:spPr>
           <a:xfrm flipV="1">
-            <a:off x="2099649" y="4273966"/>
+            <a:off x="2099649" y="4260903"/>
             <a:ext cx="693453" cy="284987"/>
           </a:xfrm>
           <a:prstGeom prst="straightConnector1">
@@ -3626,7 +3650,7 @@
     </p:spTree>
     <p:extLst>
       <p:ext uri="{BB962C8B-B14F-4D97-AF65-F5344CB8AC3E}">
-        <p14:creationId xmlns:p14="http://schemas.microsoft.com/office/powerpoint/2010/main" val="966753289"/>
+        <p14:creationId xmlns:p14="http://schemas.microsoft.com/office/powerpoint/2010/main" xmlns="" val="966753289"/>
       </p:ext>
     </p:extLst>
   </p:cSld>
@@ -3679,7 +3703,7 @@
     </a:clrScheme>
     <a:fontScheme name="Стандартная">
       <a:majorFont>
-        <a:latin typeface="Calibri Light" panose="020F0302020204030204"/>
+        <a:latin typeface="Calibri Light"/>
         <a:ea typeface=""/>
         <a:cs typeface=""/>
         <a:font script="Jpan" typeface="游ゴシック Light"/>
@@ -3714,7 +3738,7 @@
         <a:font script="Geor" typeface="Sylfaen"/>
       </a:majorFont>
       <a:minorFont>
-        <a:latin typeface="Calibri" panose="020F0502020204030204"/>
+        <a:latin typeface="Calibri"/>
         <a:ea typeface=""/>
         <a:cs typeface=""/>
         <a:font script="Jpan" typeface="游ゴシック"/>
@@ -3891,7 +3915,7 @@
   <a:extraClrSchemeLst/>
   <a:extLst>
     <a:ext uri="{05A4C25C-085E-4340-85A3-A5531E510DB2}">
-      <thm15:themeFamily xmlns:thm15="http://schemas.microsoft.com/office/thememl/2012/main" name="Office Theme" id="{62F939B6-93AF-4DB8-9C6B-D6C7DFDC589F}" vid="{4A3C46E8-61CC-4603-A589-7422A47A8E4A}"/>
+      <thm15:themeFamily xmlns:thm15="http://schemas.microsoft.com/office/thememl/2012/main" xmlns="" name="Office Theme" id="{62F939B6-93AF-4DB8-9C6B-D6C7DFDC589F}" vid="{4A3C46E8-61CC-4603-A589-7422A47A8E4A}"/>
     </a:ext>
   </a:extLst>
 </a:theme>

--- a/Проектирование проекта «Heroes of might.pptx
+++ b/Проектирование проекта «Heroes of might.pptx
@@ -3027,7 +3027,7 @@
         </p:nvSpPr>
         <p:spPr>
           <a:xfrm>
-            <a:off x="282805" y="2083324"/>
+            <a:off x="2738623" y="2096388"/>
             <a:ext cx="1340880" cy="369332"/>
           </a:xfrm>
           <a:prstGeom prst="rect">
@@ -3061,7 +3061,7 @@
         </p:nvSpPr>
         <p:spPr>
           <a:xfrm>
-            <a:off x="282805" y="2413468"/>
+            <a:off x="2738623" y="2426532"/>
             <a:ext cx="1183722" cy="369332"/>
           </a:xfrm>
           <a:prstGeom prst="rect">
@@ -3095,7 +3095,7 @@
         </p:nvSpPr>
         <p:spPr>
           <a:xfrm>
-            <a:off x="282869" y="3976592"/>
+            <a:off x="2738687" y="3989656"/>
             <a:ext cx="1788438" cy="369332"/>
           </a:xfrm>
           <a:prstGeom prst="rect">
@@ -3133,7 +3133,7 @@
         </p:nvSpPr>
         <p:spPr>
           <a:xfrm>
-            <a:off x="282741" y="4361224"/>
+            <a:off x="2738559" y="4374288"/>
             <a:ext cx="1816908" cy="369332"/>
           </a:xfrm>
           <a:prstGeom prst="rect">
@@ -3167,7 +3167,7 @@
         </p:nvSpPr>
         <p:spPr>
           <a:xfrm>
-            <a:off x="282741" y="3583956"/>
+            <a:off x="2738559" y="3597020"/>
             <a:ext cx="1935145" cy="369332"/>
           </a:xfrm>
           <a:prstGeom prst="rect">
@@ -3203,7 +3203,7 @@
         </p:nvCxnSpPr>
         <p:spPr>
           <a:xfrm>
-            <a:off x="1623685" y="2267990"/>
+            <a:off x="4079503" y="2281054"/>
             <a:ext cx="987540" cy="184666"/>
           </a:xfrm>
           <a:prstGeom prst="straightConnector1">
@@ -3238,7 +3238,7 @@
         </p:nvCxnSpPr>
         <p:spPr>
           <a:xfrm flipV="1">
-            <a:off x="1466527" y="2425120"/>
+            <a:off x="3922345" y="2438184"/>
             <a:ext cx="1144698" cy="173014"/>
           </a:xfrm>
           <a:prstGeom prst="straightConnector1">
@@ -3271,7 +3271,7 @@
         </p:nvSpPr>
         <p:spPr>
           <a:xfrm>
-            <a:off x="2690950" y="2267990"/>
+            <a:off x="5146768" y="2281054"/>
             <a:ext cx="1365640" cy="369332"/>
           </a:xfrm>
           <a:prstGeom prst="rect">
@@ -3303,7 +3303,7 @@
         </p:nvCxnSpPr>
         <p:spPr>
           <a:xfrm>
-            <a:off x="2217886" y="3768622"/>
+            <a:off x="4673704" y="3781686"/>
             <a:ext cx="468753" cy="0"/>
           </a:xfrm>
           <a:prstGeom prst="straightConnector1">
@@ -3336,7 +3336,7 @@
         </p:nvSpPr>
         <p:spPr>
           <a:xfrm>
-            <a:off x="2793102" y="3583956"/>
+            <a:off x="5248920" y="3597020"/>
             <a:ext cx="3302699" cy="369332"/>
           </a:xfrm>
           <a:prstGeom prst="rect">
@@ -3368,7 +3368,7 @@
         </p:nvCxnSpPr>
         <p:spPr>
           <a:xfrm>
-            <a:off x="4056590" y="2452656"/>
+            <a:off x="6512408" y="2465720"/>
             <a:ext cx="760507" cy="469653"/>
           </a:xfrm>
           <a:prstGeom prst="straightConnector1">
@@ -3403,7 +3403,7 @@
         </p:nvCxnSpPr>
         <p:spPr>
           <a:xfrm flipV="1">
-            <a:off x="4444452" y="2922309"/>
+            <a:off x="6900270" y="2935373"/>
             <a:ext cx="372645" cy="661647"/>
           </a:xfrm>
           <a:prstGeom prst="straightConnector1">
@@ -3436,7 +3436,7 @@
         </p:nvSpPr>
         <p:spPr>
           <a:xfrm>
-            <a:off x="4924698" y="2763769"/>
+            <a:off x="7380516" y="2776833"/>
             <a:ext cx="2455816" cy="369332"/>
           </a:xfrm>
           <a:prstGeom prst="rect">
@@ -3468,7 +3468,7 @@
         </p:nvCxnSpPr>
         <p:spPr>
           <a:xfrm>
-            <a:off x="2071307" y="4161258"/>
+            <a:off x="4527125" y="4174322"/>
             <a:ext cx="721859" cy="77017"/>
           </a:xfrm>
           <a:prstGeom prst="straightConnector1">
@@ -3503,7 +3503,7 @@
         </p:nvCxnSpPr>
         <p:spPr>
           <a:xfrm flipV="1">
-            <a:off x="2099649" y="4260903"/>
+            <a:off x="4555467" y="4273967"/>
             <a:ext cx="693453" cy="284987"/>
           </a:xfrm>
           <a:prstGeom prst="straightConnector1">
@@ -3536,7 +3536,7 @@
         </p:nvSpPr>
         <p:spPr>
           <a:xfrm>
-            <a:off x="4554301" y="3044858"/>
+            <a:off x="7010119" y="3057922"/>
             <a:ext cx="2398190" cy="1260335"/>
           </a:xfrm>
           <a:custGeom>
@@ -3625,7 +3625,7 @@
         </p:nvSpPr>
         <p:spPr>
           <a:xfrm>
-            <a:off x="2729020" y="4100829"/>
+            <a:off x="5184838" y="4113893"/>
             <a:ext cx="1889363" cy="369332"/>
           </a:xfrm>
           <a:prstGeom prst="rect">
